--- a/WSLS/Qualitative effects (WSLS).pptx
+++ b/WSLS/Qualitative effects (WSLS).pptx
@@ -143,7 +143,7 @@
           <p:cNvPr id="2" name="Title 1">
             <a:extLst>
               <a:ext uri="{FF2B5EF4-FFF2-40B4-BE49-F238E27FC236}">
-                <a16:creationId xmlns:a16="http://schemas.microsoft.com/office/drawing/2014/main" xmlns="" id="{B05912D0-1206-4940-BF2D-1469575047BA}"/>
+                <a16:creationId xmlns="" xmlns:a16="http://schemas.microsoft.com/office/drawing/2014/main" id="{B05912D0-1206-4940-BF2D-1469575047BA}"/>
               </a:ext>
             </a:extLst>
           </p:cNvPr>
@@ -180,7 +180,7 @@
           <p:cNvPr id="3" name="Subtitle 2">
             <a:extLst>
               <a:ext uri="{FF2B5EF4-FFF2-40B4-BE49-F238E27FC236}">
-                <a16:creationId xmlns:a16="http://schemas.microsoft.com/office/drawing/2014/main" xmlns="" id="{216F8B8E-CE8A-C345-9E35-34F8B2950ED0}"/>
+                <a16:creationId xmlns="" xmlns:a16="http://schemas.microsoft.com/office/drawing/2014/main" id="{216F8B8E-CE8A-C345-9E35-34F8B2950ED0}"/>
               </a:ext>
             </a:extLst>
           </p:cNvPr>
@@ -250,7 +250,7 @@
           <p:cNvPr id="4" name="Date Placeholder 3">
             <a:extLst>
               <a:ext uri="{FF2B5EF4-FFF2-40B4-BE49-F238E27FC236}">
-                <a16:creationId xmlns:a16="http://schemas.microsoft.com/office/drawing/2014/main" xmlns="" id="{052CB1BC-A066-1B4D-99E3-448EDB9D669D}"/>
+                <a16:creationId xmlns="" xmlns:a16="http://schemas.microsoft.com/office/drawing/2014/main" id="{052CB1BC-A066-1B4D-99E3-448EDB9D669D}"/>
               </a:ext>
             </a:extLst>
           </p:cNvPr>
@@ -279,7 +279,7 @@
           <p:cNvPr id="5" name="Footer Placeholder 4">
             <a:extLst>
               <a:ext uri="{FF2B5EF4-FFF2-40B4-BE49-F238E27FC236}">
-                <a16:creationId xmlns:a16="http://schemas.microsoft.com/office/drawing/2014/main" xmlns="" id="{7478779C-ECAC-684E-BD72-A7AD6696FCC8}"/>
+                <a16:creationId xmlns="" xmlns:a16="http://schemas.microsoft.com/office/drawing/2014/main" id="{7478779C-ECAC-684E-BD72-A7AD6696FCC8}"/>
               </a:ext>
             </a:extLst>
           </p:cNvPr>
@@ -304,7 +304,7 @@
           <p:cNvPr id="6" name="Slide Number Placeholder 5">
             <a:extLst>
               <a:ext uri="{FF2B5EF4-FFF2-40B4-BE49-F238E27FC236}">
-                <a16:creationId xmlns:a16="http://schemas.microsoft.com/office/drawing/2014/main" xmlns="" id="{15793FC4-245C-8448-85E1-BC450197BBCD}"/>
+                <a16:creationId xmlns="" xmlns:a16="http://schemas.microsoft.com/office/drawing/2014/main" id="{15793FC4-245C-8448-85E1-BC450197BBCD}"/>
               </a:ext>
             </a:extLst>
           </p:cNvPr>
@@ -363,7 +363,7 @@
           <p:cNvPr id="2" name="Title 1">
             <a:extLst>
               <a:ext uri="{FF2B5EF4-FFF2-40B4-BE49-F238E27FC236}">
-                <a16:creationId xmlns:a16="http://schemas.microsoft.com/office/drawing/2014/main" xmlns="" id="{26AAFE84-2D30-3149-B59E-44BF6824A6C6}"/>
+                <a16:creationId xmlns="" xmlns:a16="http://schemas.microsoft.com/office/drawing/2014/main" id="{26AAFE84-2D30-3149-B59E-44BF6824A6C6}"/>
               </a:ext>
             </a:extLst>
           </p:cNvPr>
@@ -391,7 +391,7 @@
           <p:cNvPr id="3" name="Vertical Text Placeholder 2">
             <a:extLst>
               <a:ext uri="{FF2B5EF4-FFF2-40B4-BE49-F238E27FC236}">
-                <a16:creationId xmlns:a16="http://schemas.microsoft.com/office/drawing/2014/main" xmlns="" id="{296E7605-CC1B-9A40-8403-71AA41403078}"/>
+                <a16:creationId xmlns="" xmlns:a16="http://schemas.microsoft.com/office/drawing/2014/main" id="{296E7605-CC1B-9A40-8403-71AA41403078}"/>
               </a:ext>
             </a:extLst>
           </p:cNvPr>
@@ -448,7 +448,7 @@
           <p:cNvPr id="4" name="Date Placeholder 3">
             <a:extLst>
               <a:ext uri="{FF2B5EF4-FFF2-40B4-BE49-F238E27FC236}">
-                <a16:creationId xmlns:a16="http://schemas.microsoft.com/office/drawing/2014/main" xmlns="" id="{920229F3-8E32-8841-BEBB-0F290E2CEE97}"/>
+                <a16:creationId xmlns="" xmlns:a16="http://schemas.microsoft.com/office/drawing/2014/main" id="{920229F3-8E32-8841-BEBB-0F290E2CEE97}"/>
               </a:ext>
             </a:extLst>
           </p:cNvPr>
@@ -477,7 +477,7 @@
           <p:cNvPr id="5" name="Footer Placeholder 4">
             <a:extLst>
               <a:ext uri="{FF2B5EF4-FFF2-40B4-BE49-F238E27FC236}">
-                <a16:creationId xmlns:a16="http://schemas.microsoft.com/office/drawing/2014/main" xmlns="" id="{B3184893-19BF-6F40-85B8-40F467DB5181}"/>
+                <a16:creationId xmlns="" xmlns:a16="http://schemas.microsoft.com/office/drawing/2014/main" id="{B3184893-19BF-6F40-85B8-40F467DB5181}"/>
               </a:ext>
             </a:extLst>
           </p:cNvPr>
@@ -502,7 +502,7 @@
           <p:cNvPr id="6" name="Slide Number Placeholder 5">
             <a:extLst>
               <a:ext uri="{FF2B5EF4-FFF2-40B4-BE49-F238E27FC236}">
-                <a16:creationId xmlns:a16="http://schemas.microsoft.com/office/drawing/2014/main" xmlns="" id="{32D120C1-91DA-EC4B-90F3-6C13FE71AC78}"/>
+                <a16:creationId xmlns="" xmlns:a16="http://schemas.microsoft.com/office/drawing/2014/main" id="{32D120C1-91DA-EC4B-90F3-6C13FE71AC78}"/>
               </a:ext>
             </a:extLst>
           </p:cNvPr>
@@ -561,7 +561,7 @@
           <p:cNvPr id="2" name="Vertical Title 1">
             <a:extLst>
               <a:ext uri="{FF2B5EF4-FFF2-40B4-BE49-F238E27FC236}">
-                <a16:creationId xmlns:a16="http://schemas.microsoft.com/office/drawing/2014/main" xmlns="" id="{64BF3082-59FA-8E4B-853E-C99DB118E26D}"/>
+                <a16:creationId xmlns="" xmlns:a16="http://schemas.microsoft.com/office/drawing/2014/main" id="{64BF3082-59FA-8E4B-853E-C99DB118E26D}"/>
               </a:ext>
             </a:extLst>
           </p:cNvPr>
@@ -594,7 +594,7 @@
           <p:cNvPr id="3" name="Vertical Text Placeholder 2">
             <a:extLst>
               <a:ext uri="{FF2B5EF4-FFF2-40B4-BE49-F238E27FC236}">
-                <a16:creationId xmlns:a16="http://schemas.microsoft.com/office/drawing/2014/main" xmlns="" id="{0F793994-E586-CE43-A374-D8711BED74AA}"/>
+                <a16:creationId xmlns="" xmlns:a16="http://schemas.microsoft.com/office/drawing/2014/main" id="{0F793994-E586-CE43-A374-D8711BED74AA}"/>
               </a:ext>
             </a:extLst>
           </p:cNvPr>
@@ -656,7 +656,7 @@
           <p:cNvPr id="4" name="Date Placeholder 3">
             <a:extLst>
               <a:ext uri="{FF2B5EF4-FFF2-40B4-BE49-F238E27FC236}">
-                <a16:creationId xmlns:a16="http://schemas.microsoft.com/office/drawing/2014/main" xmlns="" id="{FD7FB6A7-5B1A-6142-8C4F-A301449FD7F3}"/>
+                <a16:creationId xmlns="" xmlns:a16="http://schemas.microsoft.com/office/drawing/2014/main" id="{FD7FB6A7-5B1A-6142-8C4F-A301449FD7F3}"/>
               </a:ext>
             </a:extLst>
           </p:cNvPr>
@@ -685,7 +685,7 @@
           <p:cNvPr id="5" name="Footer Placeholder 4">
             <a:extLst>
               <a:ext uri="{FF2B5EF4-FFF2-40B4-BE49-F238E27FC236}">
-                <a16:creationId xmlns:a16="http://schemas.microsoft.com/office/drawing/2014/main" xmlns="" id="{AFA04DFC-A954-BE46-88BF-1FE5893283E6}"/>
+                <a16:creationId xmlns="" xmlns:a16="http://schemas.microsoft.com/office/drawing/2014/main" id="{AFA04DFC-A954-BE46-88BF-1FE5893283E6}"/>
               </a:ext>
             </a:extLst>
           </p:cNvPr>
@@ -710,7 +710,7 @@
           <p:cNvPr id="6" name="Slide Number Placeholder 5">
             <a:extLst>
               <a:ext uri="{FF2B5EF4-FFF2-40B4-BE49-F238E27FC236}">
-                <a16:creationId xmlns:a16="http://schemas.microsoft.com/office/drawing/2014/main" xmlns="" id="{6CE97A62-AA1C-BD45-B66F-70E46B30F21E}"/>
+                <a16:creationId xmlns="" xmlns:a16="http://schemas.microsoft.com/office/drawing/2014/main" id="{6CE97A62-AA1C-BD45-B66F-70E46B30F21E}"/>
               </a:ext>
             </a:extLst>
           </p:cNvPr>
@@ -769,7 +769,7 @@
           <p:cNvPr id="2" name="Title 1">
             <a:extLst>
               <a:ext uri="{FF2B5EF4-FFF2-40B4-BE49-F238E27FC236}">
-                <a16:creationId xmlns:a16="http://schemas.microsoft.com/office/drawing/2014/main" xmlns="" id="{4180531F-CA59-2243-83C1-2ACD47EA28FB}"/>
+                <a16:creationId xmlns="" xmlns:a16="http://schemas.microsoft.com/office/drawing/2014/main" id="{4180531F-CA59-2243-83C1-2ACD47EA28FB}"/>
               </a:ext>
             </a:extLst>
           </p:cNvPr>
@@ -797,7 +797,7 @@
           <p:cNvPr id="3" name="Content Placeholder 2">
             <a:extLst>
               <a:ext uri="{FF2B5EF4-FFF2-40B4-BE49-F238E27FC236}">
-                <a16:creationId xmlns:a16="http://schemas.microsoft.com/office/drawing/2014/main" xmlns="" id="{67C84797-1F1E-2041-9AB3-3063DE7F1AFD}"/>
+                <a16:creationId xmlns="" xmlns:a16="http://schemas.microsoft.com/office/drawing/2014/main" id="{67C84797-1F1E-2041-9AB3-3063DE7F1AFD}"/>
               </a:ext>
             </a:extLst>
           </p:cNvPr>
@@ -854,7 +854,7 @@
           <p:cNvPr id="4" name="Date Placeholder 3">
             <a:extLst>
               <a:ext uri="{FF2B5EF4-FFF2-40B4-BE49-F238E27FC236}">
-                <a16:creationId xmlns:a16="http://schemas.microsoft.com/office/drawing/2014/main" xmlns="" id="{13A3BAF6-ED2E-F741-827E-A6F835697B6A}"/>
+                <a16:creationId xmlns="" xmlns:a16="http://schemas.microsoft.com/office/drawing/2014/main" id="{13A3BAF6-ED2E-F741-827E-A6F835697B6A}"/>
               </a:ext>
             </a:extLst>
           </p:cNvPr>
@@ -883,7 +883,7 @@
           <p:cNvPr id="5" name="Footer Placeholder 4">
             <a:extLst>
               <a:ext uri="{FF2B5EF4-FFF2-40B4-BE49-F238E27FC236}">
-                <a16:creationId xmlns:a16="http://schemas.microsoft.com/office/drawing/2014/main" xmlns="" id="{D0F7A1FC-9CAC-B546-8AF8-F886042CCC48}"/>
+                <a16:creationId xmlns="" xmlns:a16="http://schemas.microsoft.com/office/drawing/2014/main" id="{D0F7A1FC-9CAC-B546-8AF8-F886042CCC48}"/>
               </a:ext>
             </a:extLst>
           </p:cNvPr>
@@ -908,7 +908,7 @@
           <p:cNvPr id="6" name="Slide Number Placeholder 5">
             <a:extLst>
               <a:ext uri="{FF2B5EF4-FFF2-40B4-BE49-F238E27FC236}">
-                <a16:creationId xmlns:a16="http://schemas.microsoft.com/office/drawing/2014/main" xmlns="" id="{DCD8F4DA-FD16-2742-B1A4-B6E5FD0A9C7A}"/>
+                <a16:creationId xmlns="" xmlns:a16="http://schemas.microsoft.com/office/drawing/2014/main" id="{DCD8F4DA-FD16-2742-B1A4-B6E5FD0A9C7A}"/>
               </a:ext>
             </a:extLst>
           </p:cNvPr>
@@ -967,7 +967,7 @@
           <p:cNvPr id="2" name="Title 1">
             <a:extLst>
               <a:ext uri="{FF2B5EF4-FFF2-40B4-BE49-F238E27FC236}">
-                <a16:creationId xmlns:a16="http://schemas.microsoft.com/office/drawing/2014/main" xmlns="" id="{4E00D51C-2994-4B4F-984A-976EE6E3C510}"/>
+                <a16:creationId xmlns="" xmlns:a16="http://schemas.microsoft.com/office/drawing/2014/main" id="{4E00D51C-2994-4B4F-984A-976EE6E3C510}"/>
               </a:ext>
             </a:extLst>
           </p:cNvPr>
@@ -1004,7 +1004,7 @@
           <p:cNvPr id="3" name="Text Placeholder 2">
             <a:extLst>
               <a:ext uri="{FF2B5EF4-FFF2-40B4-BE49-F238E27FC236}">
-                <a16:creationId xmlns:a16="http://schemas.microsoft.com/office/drawing/2014/main" xmlns="" id="{145F7415-E3F3-C04B-93F9-57C4C434FDFC}"/>
+                <a16:creationId xmlns="" xmlns:a16="http://schemas.microsoft.com/office/drawing/2014/main" id="{145F7415-E3F3-C04B-93F9-57C4C434FDFC}"/>
               </a:ext>
             </a:extLst>
           </p:cNvPr>
@@ -1129,7 +1129,7 @@
           <p:cNvPr id="4" name="Date Placeholder 3">
             <a:extLst>
               <a:ext uri="{FF2B5EF4-FFF2-40B4-BE49-F238E27FC236}">
-                <a16:creationId xmlns:a16="http://schemas.microsoft.com/office/drawing/2014/main" xmlns="" id="{592773E6-10B6-BF47-9265-1D68776551CF}"/>
+                <a16:creationId xmlns="" xmlns:a16="http://schemas.microsoft.com/office/drawing/2014/main" id="{592773E6-10B6-BF47-9265-1D68776551CF}"/>
               </a:ext>
             </a:extLst>
           </p:cNvPr>
@@ -1158,7 +1158,7 @@
           <p:cNvPr id="5" name="Footer Placeholder 4">
             <a:extLst>
               <a:ext uri="{FF2B5EF4-FFF2-40B4-BE49-F238E27FC236}">
-                <a16:creationId xmlns:a16="http://schemas.microsoft.com/office/drawing/2014/main" xmlns="" id="{3B5E7CB8-4F82-EE48-A501-3202B9A49844}"/>
+                <a16:creationId xmlns="" xmlns:a16="http://schemas.microsoft.com/office/drawing/2014/main" id="{3B5E7CB8-4F82-EE48-A501-3202B9A49844}"/>
               </a:ext>
             </a:extLst>
           </p:cNvPr>
@@ -1183,7 +1183,7 @@
           <p:cNvPr id="6" name="Slide Number Placeholder 5">
             <a:extLst>
               <a:ext uri="{FF2B5EF4-FFF2-40B4-BE49-F238E27FC236}">
-                <a16:creationId xmlns:a16="http://schemas.microsoft.com/office/drawing/2014/main" xmlns="" id="{93DA6DD5-5E21-8A4D-8225-44BC26CACC24}"/>
+                <a16:creationId xmlns="" xmlns:a16="http://schemas.microsoft.com/office/drawing/2014/main" id="{93DA6DD5-5E21-8A4D-8225-44BC26CACC24}"/>
               </a:ext>
             </a:extLst>
           </p:cNvPr>
@@ -1242,7 +1242,7 @@
           <p:cNvPr id="2" name="Title 1">
             <a:extLst>
               <a:ext uri="{FF2B5EF4-FFF2-40B4-BE49-F238E27FC236}">
-                <a16:creationId xmlns:a16="http://schemas.microsoft.com/office/drawing/2014/main" xmlns="" id="{FE86356C-B4B4-A445-B67F-B441513D4178}"/>
+                <a16:creationId xmlns="" xmlns:a16="http://schemas.microsoft.com/office/drawing/2014/main" id="{FE86356C-B4B4-A445-B67F-B441513D4178}"/>
               </a:ext>
             </a:extLst>
           </p:cNvPr>
@@ -1270,7 +1270,7 @@
           <p:cNvPr id="3" name="Content Placeholder 2">
             <a:extLst>
               <a:ext uri="{FF2B5EF4-FFF2-40B4-BE49-F238E27FC236}">
-                <a16:creationId xmlns:a16="http://schemas.microsoft.com/office/drawing/2014/main" xmlns="" id="{F748FDB8-B134-354B-8899-112DE68C1E13}"/>
+                <a16:creationId xmlns="" xmlns:a16="http://schemas.microsoft.com/office/drawing/2014/main" id="{F748FDB8-B134-354B-8899-112DE68C1E13}"/>
               </a:ext>
             </a:extLst>
           </p:cNvPr>
@@ -1332,7 +1332,7 @@
           <p:cNvPr id="4" name="Content Placeholder 3">
             <a:extLst>
               <a:ext uri="{FF2B5EF4-FFF2-40B4-BE49-F238E27FC236}">
-                <a16:creationId xmlns:a16="http://schemas.microsoft.com/office/drawing/2014/main" xmlns="" id="{8FD4DBC1-43CA-8545-BE20-92023EB67CD1}"/>
+                <a16:creationId xmlns="" xmlns:a16="http://schemas.microsoft.com/office/drawing/2014/main" id="{8FD4DBC1-43CA-8545-BE20-92023EB67CD1}"/>
               </a:ext>
             </a:extLst>
           </p:cNvPr>
@@ -1394,7 +1394,7 @@
           <p:cNvPr id="5" name="Date Placeholder 4">
             <a:extLst>
               <a:ext uri="{FF2B5EF4-FFF2-40B4-BE49-F238E27FC236}">
-                <a16:creationId xmlns:a16="http://schemas.microsoft.com/office/drawing/2014/main" xmlns="" id="{783E85CC-86A9-FC40-A3B0-5E3F1DF90096}"/>
+                <a16:creationId xmlns="" xmlns:a16="http://schemas.microsoft.com/office/drawing/2014/main" id="{783E85CC-86A9-FC40-A3B0-5E3F1DF90096}"/>
               </a:ext>
             </a:extLst>
           </p:cNvPr>
@@ -1423,7 +1423,7 @@
           <p:cNvPr id="6" name="Footer Placeholder 5">
             <a:extLst>
               <a:ext uri="{FF2B5EF4-FFF2-40B4-BE49-F238E27FC236}">
-                <a16:creationId xmlns:a16="http://schemas.microsoft.com/office/drawing/2014/main" xmlns="" id="{17A48C46-319D-F348-9FF5-A2FDEC6776B4}"/>
+                <a16:creationId xmlns="" xmlns:a16="http://schemas.microsoft.com/office/drawing/2014/main" id="{17A48C46-319D-F348-9FF5-A2FDEC6776B4}"/>
               </a:ext>
             </a:extLst>
           </p:cNvPr>
@@ -1448,7 +1448,7 @@
           <p:cNvPr id="7" name="Slide Number Placeholder 6">
             <a:extLst>
               <a:ext uri="{FF2B5EF4-FFF2-40B4-BE49-F238E27FC236}">
-                <a16:creationId xmlns:a16="http://schemas.microsoft.com/office/drawing/2014/main" xmlns="" id="{8C8FBF63-FE76-294F-8C40-1BA53D6C3BAE}"/>
+                <a16:creationId xmlns="" xmlns:a16="http://schemas.microsoft.com/office/drawing/2014/main" id="{8C8FBF63-FE76-294F-8C40-1BA53D6C3BAE}"/>
               </a:ext>
             </a:extLst>
           </p:cNvPr>
@@ -1507,7 +1507,7 @@
           <p:cNvPr id="2" name="Title 1">
             <a:extLst>
               <a:ext uri="{FF2B5EF4-FFF2-40B4-BE49-F238E27FC236}">
-                <a16:creationId xmlns:a16="http://schemas.microsoft.com/office/drawing/2014/main" xmlns="" id="{929B5B03-DF2A-584E-85B8-6B7738A6542E}"/>
+                <a16:creationId xmlns="" xmlns:a16="http://schemas.microsoft.com/office/drawing/2014/main" id="{929B5B03-DF2A-584E-85B8-6B7738A6542E}"/>
               </a:ext>
             </a:extLst>
           </p:cNvPr>
@@ -1540,7 +1540,7 @@
           <p:cNvPr id="3" name="Text Placeholder 2">
             <a:extLst>
               <a:ext uri="{FF2B5EF4-FFF2-40B4-BE49-F238E27FC236}">
-                <a16:creationId xmlns:a16="http://schemas.microsoft.com/office/drawing/2014/main" xmlns="" id="{B258A496-A57A-1547-A7C2-146A0B0970EA}"/>
+                <a16:creationId xmlns="" xmlns:a16="http://schemas.microsoft.com/office/drawing/2014/main" id="{B258A496-A57A-1547-A7C2-146A0B0970EA}"/>
               </a:ext>
             </a:extLst>
           </p:cNvPr>
@@ -1611,7 +1611,7 @@
           <p:cNvPr id="4" name="Content Placeholder 3">
             <a:extLst>
               <a:ext uri="{FF2B5EF4-FFF2-40B4-BE49-F238E27FC236}">
-                <a16:creationId xmlns:a16="http://schemas.microsoft.com/office/drawing/2014/main" xmlns="" id="{D3019813-238C-E742-80E1-EFBD04E3EBA3}"/>
+                <a16:creationId xmlns="" xmlns:a16="http://schemas.microsoft.com/office/drawing/2014/main" id="{D3019813-238C-E742-80E1-EFBD04E3EBA3}"/>
               </a:ext>
             </a:extLst>
           </p:cNvPr>
@@ -1673,7 +1673,7 @@
           <p:cNvPr id="5" name="Text Placeholder 4">
             <a:extLst>
               <a:ext uri="{FF2B5EF4-FFF2-40B4-BE49-F238E27FC236}">
-                <a16:creationId xmlns:a16="http://schemas.microsoft.com/office/drawing/2014/main" xmlns="" id="{FDF0F2C5-13D4-E145-97EA-5E6529CEA771}"/>
+                <a16:creationId xmlns="" xmlns:a16="http://schemas.microsoft.com/office/drawing/2014/main" id="{FDF0F2C5-13D4-E145-97EA-5E6529CEA771}"/>
               </a:ext>
             </a:extLst>
           </p:cNvPr>
@@ -1744,7 +1744,7 @@
           <p:cNvPr id="6" name="Content Placeholder 5">
             <a:extLst>
               <a:ext uri="{FF2B5EF4-FFF2-40B4-BE49-F238E27FC236}">
-                <a16:creationId xmlns:a16="http://schemas.microsoft.com/office/drawing/2014/main" xmlns="" id="{EA7DDD7F-FDF7-9449-89DF-9F12D024D18A}"/>
+                <a16:creationId xmlns="" xmlns:a16="http://schemas.microsoft.com/office/drawing/2014/main" id="{EA7DDD7F-FDF7-9449-89DF-9F12D024D18A}"/>
               </a:ext>
             </a:extLst>
           </p:cNvPr>
@@ -1806,7 +1806,7 @@
           <p:cNvPr id="7" name="Date Placeholder 6">
             <a:extLst>
               <a:ext uri="{FF2B5EF4-FFF2-40B4-BE49-F238E27FC236}">
-                <a16:creationId xmlns:a16="http://schemas.microsoft.com/office/drawing/2014/main" xmlns="" id="{D6C73B7B-A1E3-9B4E-ACA8-C238AA42B522}"/>
+                <a16:creationId xmlns="" xmlns:a16="http://schemas.microsoft.com/office/drawing/2014/main" id="{D6C73B7B-A1E3-9B4E-ACA8-C238AA42B522}"/>
               </a:ext>
             </a:extLst>
           </p:cNvPr>
@@ -1835,7 +1835,7 @@
           <p:cNvPr id="8" name="Footer Placeholder 7">
             <a:extLst>
               <a:ext uri="{FF2B5EF4-FFF2-40B4-BE49-F238E27FC236}">
-                <a16:creationId xmlns:a16="http://schemas.microsoft.com/office/drawing/2014/main" xmlns="" id="{6C52F377-195A-CA47-A9E9-9E1758DC403B}"/>
+                <a16:creationId xmlns="" xmlns:a16="http://schemas.microsoft.com/office/drawing/2014/main" id="{6C52F377-195A-CA47-A9E9-9E1758DC403B}"/>
               </a:ext>
             </a:extLst>
           </p:cNvPr>
@@ -1860,7 +1860,7 @@
           <p:cNvPr id="9" name="Slide Number Placeholder 8">
             <a:extLst>
               <a:ext uri="{FF2B5EF4-FFF2-40B4-BE49-F238E27FC236}">
-                <a16:creationId xmlns:a16="http://schemas.microsoft.com/office/drawing/2014/main" xmlns="" id="{284E5D55-8520-4844-87D1-E02663F92CC5}"/>
+                <a16:creationId xmlns="" xmlns:a16="http://schemas.microsoft.com/office/drawing/2014/main" id="{284E5D55-8520-4844-87D1-E02663F92CC5}"/>
               </a:ext>
             </a:extLst>
           </p:cNvPr>
@@ -1919,7 +1919,7 @@
           <p:cNvPr id="2" name="Title 1">
             <a:extLst>
               <a:ext uri="{FF2B5EF4-FFF2-40B4-BE49-F238E27FC236}">
-                <a16:creationId xmlns:a16="http://schemas.microsoft.com/office/drawing/2014/main" xmlns="" id="{591DEF3D-C702-CA48-AF0E-6F8BB7772D26}"/>
+                <a16:creationId xmlns="" xmlns:a16="http://schemas.microsoft.com/office/drawing/2014/main" id="{591DEF3D-C702-CA48-AF0E-6F8BB7772D26}"/>
               </a:ext>
             </a:extLst>
           </p:cNvPr>
@@ -1947,7 +1947,7 @@
           <p:cNvPr id="3" name="Date Placeholder 2">
             <a:extLst>
               <a:ext uri="{FF2B5EF4-FFF2-40B4-BE49-F238E27FC236}">
-                <a16:creationId xmlns:a16="http://schemas.microsoft.com/office/drawing/2014/main" xmlns="" id="{E51525BE-20AE-DA45-B203-29B795C90888}"/>
+                <a16:creationId xmlns="" xmlns:a16="http://schemas.microsoft.com/office/drawing/2014/main" id="{E51525BE-20AE-DA45-B203-29B795C90888}"/>
               </a:ext>
             </a:extLst>
           </p:cNvPr>
@@ -1976,7 +1976,7 @@
           <p:cNvPr id="4" name="Footer Placeholder 3">
             <a:extLst>
               <a:ext uri="{FF2B5EF4-FFF2-40B4-BE49-F238E27FC236}">
-                <a16:creationId xmlns:a16="http://schemas.microsoft.com/office/drawing/2014/main" xmlns="" id="{7C03BA58-3079-4F46-A626-0652AF5A3AFF}"/>
+                <a16:creationId xmlns="" xmlns:a16="http://schemas.microsoft.com/office/drawing/2014/main" id="{7C03BA58-3079-4F46-A626-0652AF5A3AFF}"/>
               </a:ext>
             </a:extLst>
           </p:cNvPr>
@@ -2001,7 +2001,7 @@
           <p:cNvPr id="5" name="Slide Number Placeholder 4">
             <a:extLst>
               <a:ext uri="{FF2B5EF4-FFF2-40B4-BE49-F238E27FC236}">
-                <a16:creationId xmlns:a16="http://schemas.microsoft.com/office/drawing/2014/main" xmlns="" id="{19CBE195-CAE5-AE41-9A02-F0FEE7047826}"/>
+                <a16:creationId xmlns="" xmlns:a16="http://schemas.microsoft.com/office/drawing/2014/main" id="{19CBE195-CAE5-AE41-9A02-F0FEE7047826}"/>
               </a:ext>
             </a:extLst>
           </p:cNvPr>
@@ -2060,7 +2060,7 @@
           <p:cNvPr id="2" name="Date Placeholder 1">
             <a:extLst>
               <a:ext uri="{FF2B5EF4-FFF2-40B4-BE49-F238E27FC236}">
-                <a16:creationId xmlns:a16="http://schemas.microsoft.com/office/drawing/2014/main" xmlns="" id="{C34FCBDA-D7BD-2C4E-88A1-2AFB5B48FB31}"/>
+                <a16:creationId xmlns="" xmlns:a16="http://schemas.microsoft.com/office/drawing/2014/main" id="{C34FCBDA-D7BD-2C4E-88A1-2AFB5B48FB31}"/>
               </a:ext>
             </a:extLst>
           </p:cNvPr>
@@ -2089,7 +2089,7 @@
           <p:cNvPr id="3" name="Footer Placeholder 2">
             <a:extLst>
               <a:ext uri="{FF2B5EF4-FFF2-40B4-BE49-F238E27FC236}">
-                <a16:creationId xmlns:a16="http://schemas.microsoft.com/office/drawing/2014/main" xmlns="" id="{18E57C92-201B-F74C-9CC7-86384947C87F}"/>
+                <a16:creationId xmlns="" xmlns:a16="http://schemas.microsoft.com/office/drawing/2014/main" id="{18E57C92-201B-F74C-9CC7-86384947C87F}"/>
               </a:ext>
             </a:extLst>
           </p:cNvPr>
@@ -2114,7 +2114,7 @@
           <p:cNvPr id="4" name="Slide Number Placeholder 3">
             <a:extLst>
               <a:ext uri="{FF2B5EF4-FFF2-40B4-BE49-F238E27FC236}">
-                <a16:creationId xmlns:a16="http://schemas.microsoft.com/office/drawing/2014/main" xmlns="" id="{6CD423C3-3F28-C246-806B-4AB5E2DE25BE}"/>
+                <a16:creationId xmlns="" xmlns:a16="http://schemas.microsoft.com/office/drawing/2014/main" id="{6CD423C3-3F28-C246-806B-4AB5E2DE25BE}"/>
               </a:ext>
             </a:extLst>
           </p:cNvPr>
@@ -2173,7 +2173,7 @@
           <p:cNvPr id="2" name="Title 1">
             <a:extLst>
               <a:ext uri="{FF2B5EF4-FFF2-40B4-BE49-F238E27FC236}">
-                <a16:creationId xmlns:a16="http://schemas.microsoft.com/office/drawing/2014/main" xmlns="" id="{7D5AA6BE-A0FE-9342-BF77-AE09E862FE5E}"/>
+                <a16:creationId xmlns="" xmlns:a16="http://schemas.microsoft.com/office/drawing/2014/main" id="{7D5AA6BE-A0FE-9342-BF77-AE09E862FE5E}"/>
               </a:ext>
             </a:extLst>
           </p:cNvPr>
@@ -2210,7 +2210,7 @@
           <p:cNvPr id="3" name="Content Placeholder 2">
             <a:extLst>
               <a:ext uri="{FF2B5EF4-FFF2-40B4-BE49-F238E27FC236}">
-                <a16:creationId xmlns:a16="http://schemas.microsoft.com/office/drawing/2014/main" xmlns="" id="{792AC1F3-04B5-704E-BBCB-70A2D8615777}"/>
+                <a16:creationId xmlns="" xmlns:a16="http://schemas.microsoft.com/office/drawing/2014/main" id="{792AC1F3-04B5-704E-BBCB-70A2D8615777}"/>
               </a:ext>
             </a:extLst>
           </p:cNvPr>
@@ -2300,7 +2300,7 @@
           <p:cNvPr id="4" name="Text Placeholder 3">
             <a:extLst>
               <a:ext uri="{FF2B5EF4-FFF2-40B4-BE49-F238E27FC236}">
-                <a16:creationId xmlns:a16="http://schemas.microsoft.com/office/drawing/2014/main" xmlns="" id="{7219EEB2-A8F5-8642-AEE3-51CF40050372}"/>
+                <a16:creationId xmlns="" xmlns:a16="http://schemas.microsoft.com/office/drawing/2014/main" id="{7219EEB2-A8F5-8642-AEE3-51CF40050372}"/>
               </a:ext>
             </a:extLst>
           </p:cNvPr>
@@ -2371,7 +2371,7 @@
           <p:cNvPr id="5" name="Date Placeholder 4">
             <a:extLst>
               <a:ext uri="{FF2B5EF4-FFF2-40B4-BE49-F238E27FC236}">
-                <a16:creationId xmlns:a16="http://schemas.microsoft.com/office/drawing/2014/main" xmlns="" id="{B90CABEF-1DFA-2D4F-B71E-8F28391C3915}"/>
+                <a16:creationId xmlns="" xmlns:a16="http://schemas.microsoft.com/office/drawing/2014/main" id="{B90CABEF-1DFA-2D4F-B71E-8F28391C3915}"/>
               </a:ext>
             </a:extLst>
           </p:cNvPr>
@@ -2400,7 +2400,7 @@
           <p:cNvPr id="6" name="Footer Placeholder 5">
             <a:extLst>
               <a:ext uri="{FF2B5EF4-FFF2-40B4-BE49-F238E27FC236}">
-                <a16:creationId xmlns:a16="http://schemas.microsoft.com/office/drawing/2014/main" xmlns="" id="{6112FC5D-4475-2949-927E-E672BFA45CD9}"/>
+                <a16:creationId xmlns="" xmlns:a16="http://schemas.microsoft.com/office/drawing/2014/main" id="{6112FC5D-4475-2949-927E-E672BFA45CD9}"/>
               </a:ext>
             </a:extLst>
           </p:cNvPr>
@@ -2425,7 +2425,7 @@
           <p:cNvPr id="7" name="Slide Number Placeholder 6">
             <a:extLst>
               <a:ext uri="{FF2B5EF4-FFF2-40B4-BE49-F238E27FC236}">
-                <a16:creationId xmlns:a16="http://schemas.microsoft.com/office/drawing/2014/main" xmlns="" id="{1D5806EA-5287-9B43-83AD-AAC49F1C4038}"/>
+                <a16:creationId xmlns="" xmlns:a16="http://schemas.microsoft.com/office/drawing/2014/main" id="{1D5806EA-5287-9B43-83AD-AAC49F1C4038}"/>
               </a:ext>
             </a:extLst>
           </p:cNvPr>
@@ -2484,7 +2484,7 @@
           <p:cNvPr id="2" name="Title 1">
             <a:extLst>
               <a:ext uri="{FF2B5EF4-FFF2-40B4-BE49-F238E27FC236}">
-                <a16:creationId xmlns:a16="http://schemas.microsoft.com/office/drawing/2014/main" xmlns="" id="{C10EBA9C-BFC9-8242-B3B1-4F99CBFD9984}"/>
+                <a16:creationId xmlns="" xmlns:a16="http://schemas.microsoft.com/office/drawing/2014/main" id="{C10EBA9C-BFC9-8242-B3B1-4F99CBFD9984}"/>
               </a:ext>
             </a:extLst>
           </p:cNvPr>
@@ -2521,7 +2521,7 @@
           <p:cNvPr id="3" name="Picture Placeholder 2">
             <a:extLst>
               <a:ext uri="{FF2B5EF4-FFF2-40B4-BE49-F238E27FC236}">
-                <a16:creationId xmlns:a16="http://schemas.microsoft.com/office/drawing/2014/main" xmlns="" id="{E9DC4A93-CDA4-144F-983C-9A7B25D6C6D2}"/>
+                <a16:creationId xmlns="" xmlns:a16="http://schemas.microsoft.com/office/drawing/2014/main" id="{E9DC4A93-CDA4-144F-983C-9A7B25D6C6D2}"/>
               </a:ext>
             </a:extLst>
           </p:cNvPr>
@@ -2588,7 +2588,7 @@
           <p:cNvPr id="4" name="Text Placeholder 3">
             <a:extLst>
               <a:ext uri="{FF2B5EF4-FFF2-40B4-BE49-F238E27FC236}">
-                <a16:creationId xmlns:a16="http://schemas.microsoft.com/office/drawing/2014/main" xmlns="" id="{8C2F38D3-A0FE-CE45-A6F6-5164B333DC4F}"/>
+                <a16:creationId xmlns="" xmlns:a16="http://schemas.microsoft.com/office/drawing/2014/main" id="{8C2F38D3-A0FE-CE45-A6F6-5164B333DC4F}"/>
               </a:ext>
             </a:extLst>
           </p:cNvPr>
@@ -2659,7 +2659,7 @@
           <p:cNvPr id="5" name="Date Placeholder 4">
             <a:extLst>
               <a:ext uri="{FF2B5EF4-FFF2-40B4-BE49-F238E27FC236}">
-                <a16:creationId xmlns:a16="http://schemas.microsoft.com/office/drawing/2014/main" xmlns="" id="{795634D3-1A71-F546-92DD-9657E5294366}"/>
+                <a16:creationId xmlns="" xmlns:a16="http://schemas.microsoft.com/office/drawing/2014/main" id="{795634D3-1A71-F546-92DD-9657E5294366}"/>
               </a:ext>
             </a:extLst>
           </p:cNvPr>
@@ -2688,7 +2688,7 @@
           <p:cNvPr id="6" name="Footer Placeholder 5">
             <a:extLst>
               <a:ext uri="{FF2B5EF4-FFF2-40B4-BE49-F238E27FC236}">
-                <a16:creationId xmlns:a16="http://schemas.microsoft.com/office/drawing/2014/main" xmlns="" id="{996702C2-E5D2-9044-BF25-10167E871950}"/>
+                <a16:creationId xmlns="" xmlns:a16="http://schemas.microsoft.com/office/drawing/2014/main" id="{996702C2-E5D2-9044-BF25-10167E871950}"/>
               </a:ext>
             </a:extLst>
           </p:cNvPr>
@@ -2713,7 +2713,7 @@
           <p:cNvPr id="7" name="Slide Number Placeholder 6">
             <a:extLst>
               <a:ext uri="{FF2B5EF4-FFF2-40B4-BE49-F238E27FC236}">
-                <a16:creationId xmlns:a16="http://schemas.microsoft.com/office/drawing/2014/main" xmlns="" id="{2E35ED01-1922-164A-A231-3C46E7E63C89}"/>
+                <a16:creationId xmlns="" xmlns:a16="http://schemas.microsoft.com/office/drawing/2014/main" id="{2E35ED01-1922-164A-A231-3C46E7E63C89}"/>
               </a:ext>
             </a:extLst>
           </p:cNvPr>
@@ -2777,7 +2777,7 @@
           <p:cNvPr id="2" name="Title Placeholder 1">
             <a:extLst>
               <a:ext uri="{FF2B5EF4-FFF2-40B4-BE49-F238E27FC236}">
-                <a16:creationId xmlns:a16="http://schemas.microsoft.com/office/drawing/2014/main" xmlns="" id="{A683D89E-E8CA-F745-9F6B-08644C36C0D0}"/>
+                <a16:creationId xmlns="" xmlns:a16="http://schemas.microsoft.com/office/drawing/2014/main" id="{A683D89E-E8CA-F745-9F6B-08644C36C0D0}"/>
               </a:ext>
             </a:extLst>
           </p:cNvPr>
@@ -2815,7 +2815,7 @@
           <p:cNvPr id="3" name="Text Placeholder 2">
             <a:extLst>
               <a:ext uri="{FF2B5EF4-FFF2-40B4-BE49-F238E27FC236}">
-                <a16:creationId xmlns:a16="http://schemas.microsoft.com/office/drawing/2014/main" xmlns="" id="{D138AA9B-E68F-BE49-9A4B-987E7A2D507B}"/>
+                <a16:creationId xmlns="" xmlns:a16="http://schemas.microsoft.com/office/drawing/2014/main" id="{D138AA9B-E68F-BE49-9A4B-987E7A2D507B}"/>
               </a:ext>
             </a:extLst>
           </p:cNvPr>
@@ -2882,7 +2882,7 @@
           <p:cNvPr id="4" name="Date Placeholder 3">
             <a:extLst>
               <a:ext uri="{FF2B5EF4-FFF2-40B4-BE49-F238E27FC236}">
-                <a16:creationId xmlns:a16="http://schemas.microsoft.com/office/drawing/2014/main" xmlns="" id="{92668FFF-EA98-4F41-8C82-5AA85A0F7CEC}"/>
+                <a16:creationId xmlns="" xmlns:a16="http://schemas.microsoft.com/office/drawing/2014/main" id="{92668FFF-EA98-4F41-8C82-5AA85A0F7CEC}"/>
               </a:ext>
             </a:extLst>
           </p:cNvPr>
@@ -2929,7 +2929,7 @@
           <p:cNvPr id="5" name="Footer Placeholder 4">
             <a:extLst>
               <a:ext uri="{FF2B5EF4-FFF2-40B4-BE49-F238E27FC236}">
-                <a16:creationId xmlns:a16="http://schemas.microsoft.com/office/drawing/2014/main" xmlns="" id="{53A7B868-7983-8046-B9CC-84BA3F77A585}"/>
+                <a16:creationId xmlns="" xmlns:a16="http://schemas.microsoft.com/office/drawing/2014/main" id="{53A7B868-7983-8046-B9CC-84BA3F77A585}"/>
               </a:ext>
             </a:extLst>
           </p:cNvPr>
@@ -2972,7 +2972,7 @@
           <p:cNvPr id="6" name="Slide Number Placeholder 5">
             <a:extLst>
               <a:ext uri="{FF2B5EF4-FFF2-40B4-BE49-F238E27FC236}">
-                <a16:creationId xmlns:a16="http://schemas.microsoft.com/office/drawing/2014/main" xmlns="" id="{B99F5B29-0C4F-1C46-9321-A158809E0BFF}"/>
+                <a16:creationId xmlns="" xmlns:a16="http://schemas.microsoft.com/office/drawing/2014/main" id="{B99F5B29-0C4F-1C46-9321-A158809E0BFF}"/>
               </a:ext>
             </a:extLst>
           </p:cNvPr>
@@ -3340,7 +3340,7 @@
           <p:cNvPr id="2" name="Title 1">
             <a:extLst>
               <a:ext uri="{FF2B5EF4-FFF2-40B4-BE49-F238E27FC236}">
-                <a16:creationId xmlns:a16="http://schemas.microsoft.com/office/drawing/2014/main" xmlns="" id="{87B7F9A8-63A2-A943-847B-4DF16CB860B6}"/>
+                <a16:creationId xmlns="" xmlns:a16="http://schemas.microsoft.com/office/drawing/2014/main" id="{87B7F9A8-63A2-A943-847B-4DF16CB860B6}"/>
               </a:ext>
             </a:extLst>
           </p:cNvPr>
@@ -3369,7 +3369,7 @@
           <p:cNvPr id="3" name="Subtitle 2">
             <a:extLst>
               <a:ext uri="{FF2B5EF4-FFF2-40B4-BE49-F238E27FC236}">
-                <a16:creationId xmlns:a16="http://schemas.microsoft.com/office/drawing/2014/main" xmlns="" id="{BD723198-6A7E-1A4C-9453-0B93C8D9F0EF}"/>
+                <a16:creationId xmlns="" xmlns:a16="http://schemas.microsoft.com/office/drawing/2014/main" id="{BD723198-6A7E-1A4C-9453-0B93C8D9F0EF}"/>
               </a:ext>
             </a:extLst>
           </p:cNvPr>
@@ -3385,7 +3385,11 @@
           <a:bodyPr/>
           <a:lstStyle/>
           <a:p>
-            <a:endParaRPr lang="en-US"/>
+            <a:r>
+              <a:rPr lang="en-US" dirty="0" smtClean="0"/>
+              <a:t>Win Stay Lose Shift</a:t>
+            </a:r>
+            <a:endParaRPr lang="en-US" dirty="0"/>
           </a:p>
         </p:txBody>
       </p:sp>
@@ -3399,6 +3403,13 @@
   <p:clrMapOvr>
     <a:masterClrMapping/>
   </p:clrMapOvr>
+  <p:timing>
+    <p:tnLst>
+      <p:par>
+        <p:cTn id="1" dur="indefinite" restart="never" nodeType="tmRoot"/>
+      </p:par>
+    </p:tnLst>
+  </p:timing>
 </p:sld>
 </file>
 
@@ -3424,7 +3435,7 @@
           <p:cNvPr id="2" name="Title 1">
             <a:extLst>
               <a:ext uri="{FF2B5EF4-FFF2-40B4-BE49-F238E27FC236}">
-                <a16:creationId xmlns:a16="http://schemas.microsoft.com/office/drawing/2014/main" xmlns="" id="{7D641731-F534-2649-83FB-6F010DF1AD7C}"/>
+                <a16:creationId xmlns="" xmlns:a16="http://schemas.microsoft.com/office/drawing/2014/main" id="{7D641731-F534-2649-83FB-6F010DF1AD7C}"/>
               </a:ext>
             </a:extLst>
           </p:cNvPr>
@@ -3494,6 +3505,13 @@
   <p:clrMapOvr>
     <a:masterClrMapping/>
   </p:clrMapOvr>
+  <p:timing>
+    <p:tnLst>
+      <p:par>
+        <p:cTn id="1" dur="indefinite" restart="never" nodeType="tmRoot"/>
+      </p:par>
+    </p:tnLst>
+  </p:timing>
 </p:sld>
 </file>
 
@@ -3519,7 +3537,7 @@
           <p:cNvPr id="2" name="Title 1">
             <a:extLst>
               <a:ext uri="{FF2B5EF4-FFF2-40B4-BE49-F238E27FC236}">
-                <a16:creationId xmlns:a16="http://schemas.microsoft.com/office/drawing/2014/main" xmlns="" id="{4DA57ACC-E929-4E4F-B5F4-004C092C4E18}"/>
+                <a16:creationId xmlns="" xmlns:a16="http://schemas.microsoft.com/office/drawing/2014/main" id="{4DA57ACC-E929-4E4F-B5F4-004C092C4E18}"/>
               </a:ext>
             </a:extLst>
           </p:cNvPr>
@@ -3548,7 +3566,7 @@
           <p:cNvPr id="3" name="Content Placeholder 2">
             <a:extLst>
               <a:ext uri="{FF2B5EF4-FFF2-40B4-BE49-F238E27FC236}">
-                <a16:creationId xmlns:a16="http://schemas.microsoft.com/office/drawing/2014/main" xmlns="" id="{FA65E03C-49F9-DE4E-91A0-84A8B6E28ADC}"/>
+                <a16:creationId xmlns="" xmlns:a16="http://schemas.microsoft.com/office/drawing/2014/main" id="{FA65E03C-49F9-DE4E-91A0-84A8B6E28ADC}"/>
               </a:ext>
             </a:extLst>
           </p:cNvPr>
@@ -3578,23 +3596,35 @@
             </a:r>
             <a:r>
               <a:rPr lang="en-US" sz="2400" dirty="0" smtClean="0"/>
-              <a:t>P(k) </a:t>
+              <a:t>P(k, </a:t>
+            </a:r>
+            <a:r>
+              <a:rPr lang="en-US" sz="2400" dirty="0" err="1" smtClean="0"/>
+              <a:t>i</a:t>
+            </a:r>
+            <a:r>
+              <a:rPr lang="en-US" sz="2400" dirty="0" smtClean="0"/>
+              <a:t>, s) </a:t>
             </a:r>
             <a:r>
               <a:rPr lang="en-US" sz="2400" dirty="0"/>
               <a:t>= </a:t>
             </a:r>
             <a:r>
-              <a:rPr lang="en-US" sz="2400" dirty="0" err="1"/>
+              <a:rPr lang="en-US" sz="2400" dirty="0" err="1" smtClean="0"/>
               <a:t>Bias</a:t>
             </a:r>
             <a:r>
-              <a:rPr lang="en-US" sz="2400" baseline="-25000" dirty="0" err="1"/>
-              <a:t>Region</a:t>
+              <a:rPr lang="en-US" sz="2400" baseline="-25000" dirty="0" err="1" smtClean="0"/>
+              <a:t>k</a:t>
+            </a:r>
+            <a:r>
+              <a:rPr lang="en-US" sz="2400" dirty="0" smtClean="0"/>
+              <a:t> </a:t>
             </a:r>
             <a:r>
               <a:rPr lang="en-US" sz="2400" dirty="0"/>
-              <a:t> + </a:t>
+              <a:t>+ </a:t>
             </a:r>
             <a:r>
               <a:rPr lang="en-US" sz="2400" dirty="0" smtClean="0"/>
@@ -3630,7 +3660,7 @@
         </p:nvSpPr>
         <p:spPr>
           <a:xfrm>
-            <a:off x="838200" y="6151515"/>
+            <a:off x="3718095" y="6428514"/>
             <a:ext cx="5060092" cy="276999"/>
           </a:xfrm>
           <a:prstGeom prst="rect">
@@ -3755,7 +3785,7 @@
           <p:cNvPr id="7" name="Picture 4">
             <a:extLst>
               <a:ext uri="{FF2B5EF4-FFF2-40B4-BE49-F238E27FC236}">
-                <a16:creationId xmlns:a16="http://schemas.microsoft.com/office/drawing/2014/main" xmlns="" id="{42A5F47C-E3A3-414A-B60D-E7F7D9F019C1}"/>
+                <a16:creationId xmlns="" xmlns:a16="http://schemas.microsoft.com/office/drawing/2014/main" id="{42A5F47C-E3A3-414A-B60D-E7F7D9F019C1}"/>
               </a:ext>
             </a:extLst>
           </p:cNvPr>
@@ -3784,7 +3814,7 @@
           <p:cNvPr id="8" name="Picture 4">
             <a:extLst>
               <a:ext uri="{FF2B5EF4-FFF2-40B4-BE49-F238E27FC236}">
-                <a16:creationId xmlns:a16="http://schemas.microsoft.com/office/drawing/2014/main" xmlns="" id="{42A5F47C-E3A3-414A-B60D-E7F7D9F019C1}"/>
+                <a16:creationId xmlns="" xmlns:a16="http://schemas.microsoft.com/office/drawing/2014/main" id="{42A5F47C-E3A3-414A-B60D-E7F7D9F019C1}"/>
               </a:ext>
             </a:extLst>
           </p:cNvPr>
@@ -3795,13 +3825,71 @@
         </p:nvPicPr>
         <p:blipFill rotWithShape="1">
           <a:blip r:embed="rId2"/>
-          <a:srcRect r="32766"/>
+          <a:srcRect r="66519" b="53461"/>
           <a:stretch/>
         </p:blipFill>
         <p:spPr>
           <a:xfrm>
-            <a:off x="1317281" y="3040039"/>
-            <a:ext cx="3872557" cy="2920047"/>
+            <a:off x="1317281" y="3040040"/>
+            <a:ext cx="1928427" cy="1358966"/>
+          </a:xfrm>
+          <a:prstGeom prst="rect">
+            <a:avLst/>
+          </a:prstGeom>
+        </p:spPr>
+      </p:pic>
+      <p:pic>
+        <p:nvPicPr>
+          <p:cNvPr id="9" name="Picture 4">
+            <a:extLst>
+              <a:ext uri="{FF2B5EF4-FFF2-40B4-BE49-F238E27FC236}">
+                <a16:creationId xmlns="" xmlns:a16="http://schemas.microsoft.com/office/drawing/2014/main" id="{42A5F47C-E3A3-414A-B60D-E7F7D9F019C1}"/>
+              </a:ext>
+            </a:extLst>
+          </p:cNvPr>
+          <p:cNvPicPr>
+            <a:picLocks noChangeAspect="1"/>
+          </p:cNvPicPr>
+          <p:nvPr/>
+        </p:nvPicPr>
+        <p:blipFill rotWithShape="1">
+          <a:blip r:embed="rId2"/>
+          <a:srcRect l="33252" r="32766"/>
+          <a:stretch/>
+        </p:blipFill>
+        <p:spPr>
+          <a:xfrm>
+            <a:off x="3591887" y="3046073"/>
+            <a:ext cx="1957260" cy="2920047"/>
+          </a:xfrm>
+          <a:prstGeom prst="rect">
+            <a:avLst/>
+          </a:prstGeom>
+        </p:spPr>
+      </p:pic>
+      <p:pic>
+        <p:nvPicPr>
+          <p:cNvPr id="10" name="Picture 4">
+            <a:extLst>
+              <a:ext uri="{FF2B5EF4-FFF2-40B4-BE49-F238E27FC236}">
+                <a16:creationId xmlns="" xmlns:a16="http://schemas.microsoft.com/office/drawing/2014/main" id="{42A5F47C-E3A3-414A-B60D-E7F7D9F019C1}"/>
+              </a:ext>
+            </a:extLst>
+          </p:cNvPr>
+          <p:cNvPicPr>
+            <a:picLocks noChangeAspect="1"/>
+          </p:cNvPicPr>
+          <p:nvPr/>
+        </p:nvPicPr>
+        <p:blipFill rotWithShape="1">
+          <a:blip r:embed="rId2"/>
+          <a:srcRect t="47169" r="67082"/>
+          <a:stretch/>
+        </p:blipFill>
+        <p:spPr>
+          <a:xfrm>
+            <a:off x="1317281" y="4506097"/>
+            <a:ext cx="1895993" cy="1542681"/>
           </a:xfrm>
           <a:prstGeom prst="rect">
             <a:avLst/>
@@ -3970,6 +4058,96 @@
                       </p:childTnLst>
                     </p:cTn>
                   </p:par>
+                  <p:par>
+                    <p:cTn id="15" fill="hold">
+                      <p:stCondLst>
+                        <p:cond delay="indefinite"/>
+                      </p:stCondLst>
+                      <p:childTnLst>
+                        <p:par>
+                          <p:cTn id="16" fill="hold">
+                            <p:stCondLst>
+                              <p:cond delay="0"/>
+                            </p:stCondLst>
+                            <p:childTnLst>
+                              <p:par>
+                                <p:cTn id="17" presetID="1" presetClass="entr" presetSubtype="0" fill="hold" nodeType="clickEffect">
+                                  <p:stCondLst>
+                                    <p:cond delay="0"/>
+                                  </p:stCondLst>
+                                  <p:childTnLst>
+                                    <p:set>
+                                      <p:cBhvr>
+                                        <p:cTn id="18" dur="1" fill="hold">
+                                          <p:stCondLst>
+                                            <p:cond delay="0"/>
+                                          </p:stCondLst>
+                                        </p:cTn>
+                                        <p:tgtEl>
+                                          <p:spTgt spid="10"/>
+                                        </p:tgtEl>
+                                        <p:attrNameLst>
+                                          <p:attrName>style.visibility</p:attrName>
+                                        </p:attrNameLst>
+                                      </p:cBhvr>
+                                      <p:to>
+                                        <p:strVal val="visible"/>
+                                      </p:to>
+                                    </p:set>
+                                  </p:childTnLst>
+                                </p:cTn>
+                              </p:par>
+                            </p:childTnLst>
+                          </p:cTn>
+                        </p:par>
+                      </p:childTnLst>
+                    </p:cTn>
+                  </p:par>
+                  <p:par>
+                    <p:cTn id="19" fill="hold">
+                      <p:stCondLst>
+                        <p:cond delay="indefinite"/>
+                      </p:stCondLst>
+                      <p:childTnLst>
+                        <p:par>
+                          <p:cTn id="20" fill="hold">
+                            <p:stCondLst>
+                              <p:cond delay="0"/>
+                            </p:stCondLst>
+                            <p:childTnLst>
+                              <p:par>
+                                <p:cTn id="21" presetID="1" presetClass="entr" presetSubtype="0" fill="hold" nodeType="clickEffect">
+                                  <p:stCondLst>
+                                    <p:cond delay="0"/>
+                                  </p:stCondLst>
+                                  <p:childTnLst>
+                                    <p:set>
+                                      <p:cBhvr>
+                                        <p:cTn id="22" dur="1" fill="hold">
+                                          <p:stCondLst>
+                                            <p:cond delay="0"/>
+                                          </p:stCondLst>
+                                        </p:cTn>
+                                        <p:tgtEl>
+                                          <p:spTgt spid="9"/>
+                                        </p:tgtEl>
+                                        <p:attrNameLst>
+                                          <p:attrName>style.visibility</p:attrName>
+                                        </p:attrNameLst>
+                                      </p:cBhvr>
+                                      <p:to>
+                                        <p:strVal val="visible"/>
+                                      </p:to>
+                                    </p:set>
+                                  </p:childTnLst>
+                                </p:cTn>
+                              </p:par>
+                            </p:childTnLst>
+                          </p:cTn>
+                        </p:par>
+                      </p:childTnLst>
+                    </p:cTn>
+                  </p:par>
                 </p:childTnLst>
               </p:cTn>
               <p:prevCondLst>
@@ -4045,44 +4223,32 @@
             </a:r>
             <a:r>
               <a:rPr lang="es-CO" dirty="0" smtClean="0"/>
-              <a:t> (</a:t>
-            </a:r>
-            <a:r>
-              <a:rPr lang="es-CO" dirty="0" err="1" smtClean="0"/>
-              <a:t>size</a:t>
-            </a:r>
-            <a:r>
-              <a:rPr lang="es-CO" dirty="0" smtClean="0"/>
-              <a:t> =50)</a:t>
+              <a:t> </a:t>
+            </a:r>
+            <a:r>
+              <a:rPr lang="es-CO" sz="4000" dirty="0" smtClean="0"/>
+              <a:t>(</a:t>
+            </a:r>
+            <a:r>
+              <a:rPr lang="es-CO" sz="4000" dirty="0" err="1" smtClean="0"/>
+              <a:t>n_samples</a:t>
+            </a:r>
+            <a:r>
+              <a:rPr lang="es-CO" sz="4000" dirty="0" smtClean="0"/>
+              <a:t>=100; </a:t>
+            </a:r>
+            <a:r>
+              <a:rPr lang="es-CO" sz="4000" dirty="0" err="1" smtClean="0"/>
+              <a:t>n_dyads</a:t>
+            </a:r>
+            <a:r>
+              <a:rPr lang="es-CO" sz="4000" dirty="0" smtClean="0"/>
+              <a:t>=50)</a:t>
             </a:r>
             <a:endParaRPr lang="es-CO" dirty="0"/>
           </a:p>
         </p:txBody>
       </p:sp>
-      <p:pic>
-        <p:nvPicPr>
-          <p:cNvPr id="4" name="Imagen 3"/>
-          <p:cNvPicPr>
-            <a:picLocks noChangeAspect="1"/>
-          </p:cNvPicPr>
-          <p:nvPr/>
-        </p:nvPicPr>
-        <p:blipFill>
-          <a:blip r:embed="rId2"/>
-          <a:stretch>
-            <a:fillRect/>
-          </a:stretch>
-        </p:blipFill>
-        <p:spPr>
-          <a:xfrm>
-            <a:off x="2429333" y="2415732"/>
-            <a:ext cx="7333333" cy="3904762"/>
-          </a:xfrm>
-          <a:prstGeom prst="rect">
-            <a:avLst/>
-          </a:prstGeom>
-        </p:spPr>
-      </p:pic>
       <p:sp>
         <p:nvSpPr>
           <p:cNvPr id="5" name="Rectángulo 4"/>
@@ -4179,6 +4345,30 @@
           </a:p>
         </p:txBody>
       </p:sp>
+      <p:pic>
+        <p:nvPicPr>
+          <p:cNvPr id="7" name="Imagen 6"/>
+          <p:cNvPicPr>
+            <a:picLocks noChangeAspect="1"/>
+          </p:cNvPicPr>
+          <p:nvPr/>
+        </p:nvPicPr>
+        <p:blipFill>
+          <a:blip r:embed="rId2"/>
+          <a:stretch>
+            <a:fillRect/>
+          </a:stretch>
+        </p:blipFill>
+        <p:spPr>
+          <a:xfrm>
+            <a:off x="2429333" y="2115811"/>
+            <a:ext cx="7333333" cy="3904762"/>
+          </a:xfrm>
+          <a:prstGeom prst="rect">
+            <a:avLst/>
+          </a:prstGeom>
+        </p:spPr>
+      </p:pic>
     </p:spTree>
     <p:extLst>
       <p:ext uri="{BB962C8B-B14F-4D97-AF65-F5344CB8AC3E}">
@@ -4189,6 +4379,13 @@
   <p:clrMapOvr>
     <a:masterClrMapping/>
   </p:clrMapOvr>
+  <p:timing>
+    <p:tnLst>
+      <p:par>
+        <p:cTn id="1" dur="indefinite" restart="never" nodeType="tmRoot"/>
+      </p:par>
+    </p:tnLst>
+  </p:timing>
 </p:sld>
 </file>
 
@@ -4238,7 +4435,7 @@
           <p:cNvPr id="2" name="Title 1">
             <a:extLst>
               <a:ext uri="{FF2B5EF4-FFF2-40B4-BE49-F238E27FC236}">
-                <a16:creationId xmlns:a16="http://schemas.microsoft.com/office/drawing/2014/main" xmlns="" id="{7D641731-F534-2649-83FB-6F010DF1AD7C}"/>
+                <a16:creationId xmlns="" xmlns:a16="http://schemas.microsoft.com/office/drawing/2014/main" id="{7D641731-F534-2649-83FB-6F010DF1AD7C}"/>
               </a:ext>
             </a:extLst>
           </p:cNvPr>
@@ -4266,7 +4463,7 @@
           <p:cNvPr id="8" name="Frame 7">
             <a:extLst>
               <a:ext uri="{FF2B5EF4-FFF2-40B4-BE49-F238E27FC236}">
-                <a16:creationId xmlns:a16="http://schemas.microsoft.com/office/drawing/2014/main" xmlns="" id="{CB7CF0CF-074A-2540-BE74-0B81F99EC27E}"/>
+                <a16:creationId xmlns="" xmlns:a16="http://schemas.microsoft.com/office/drawing/2014/main" id="{CB7CF0CF-074A-2540-BE74-0B81F99EC27E}"/>
               </a:ext>
             </a:extLst>
           </p:cNvPr>
@@ -4321,6 +4518,13 @@
   <p:clrMapOvr>
     <a:masterClrMapping/>
   </p:clrMapOvr>
+  <p:timing>
+    <p:tnLst>
+      <p:par>
+        <p:cTn id="1" dur="indefinite" restart="never" nodeType="tmRoot"/>
+      </p:par>
+    </p:tnLst>
+  </p:timing>
 </p:sld>
 </file>
 
@@ -4370,7 +4574,7 @@
           <p:cNvPr id="2" name="Title 1">
             <a:extLst>
               <a:ext uri="{FF2B5EF4-FFF2-40B4-BE49-F238E27FC236}">
-                <a16:creationId xmlns:a16="http://schemas.microsoft.com/office/drawing/2014/main" xmlns="" id="{7D641731-F534-2649-83FB-6F010DF1AD7C}"/>
+                <a16:creationId xmlns="" xmlns:a16="http://schemas.microsoft.com/office/drawing/2014/main" id="{7D641731-F534-2649-83FB-6F010DF1AD7C}"/>
               </a:ext>
             </a:extLst>
           </p:cNvPr>
@@ -4398,7 +4602,7 @@
           <p:cNvPr id="6" name="Frame 7">
             <a:extLst>
               <a:ext uri="{FF2B5EF4-FFF2-40B4-BE49-F238E27FC236}">
-                <a16:creationId xmlns:a16="http://schemas.microsoft.com/office/drawing/2014/main" xmlns="" id="{CB7CF0CF-074A-2540-BE74-0B81F99EC27E}"/>
+                <a16:creationId xmlns="" xmlns:a16="http://schemas.microsoft.com/office/drawing/2014/main" id="{CB7CF0CF-074A-2540-BE74-0B81F99EC27E}"/>
               </a:ext>
             </a:extLst>
           </p:cNvPr>
@@ -4453,6 +4657,13 @@
   <p:clrMapOvr>
     <a:masterClrMapping/>
   </p:clrMapOvr>
+  <p:timing>
+    <p:tnLst>
+      <p:par>
+        <p:cTn id="1" dur="indefinite" restart="never" nodeType="tmRoot"/>
+      </p:par>
+    </p:tnLst>
+  </p:timing>
 </p:sld>
 </file>
 
@@ -4478,7 +4689,7 @@
           <p:cNvPr id="2" name="Title 1">
             <a:extLst>
               <a:ext uri="{FF2B5EF4-FFF2-40B4-BE49-F238E27FC236}">
-                <a16:creationId xmlns:a16="http://schemas.microsoft.com/office/drawing/2014/main" xmlns="" id="{7D641731-F534-2649-83FB-6F010DF1AD7C}"/>
+                <a16:creationId xmlns="" xmlns:a16="http://schemas.microsoft.com/office/drawing/2014/main" id="{7D641731-F534-2649-83FB-6F010DF1AD7C}"/>
               </a:ext>
             </a:extLst>
           </p:cNvPr>
@@ -4530,7 +4741,7 @@
           <p:cNvPr id="6" name="Frame 7">
             <a:extLst>
               <a:ext uri="{FF2B5EF4-FFF2-40B4-BE49-F238E27FC236}">
-                <a16:creationId xmlns:a16="http://schemas.microsoft.com/office/drawing/2014/main" xmlns="" id="{CB7CF0CF-074A-2540-BE74-0B81F99EC27E}"/>
+                <a16:creationId xmlns="" xmlns:a16="http://schemas.microsoft.com/office/drawing/2014/main" id="{CB7CF0CF-074A-2540-BE74-0B81F99EC27E}"/>
               </a:ext>
             </a:extLst>
           </p:cNvPr>
@@ -4585,6 +4796,13 @@
   <p:clrMapOvr>
     <a:masterClrMapping/>
   </p:clrMapOvr>
+  <p:timing>
+    <p:tnLst>
+      <p:par>
+        <p:cTn id="1" dur="indefinite" restart="never" nodeType="tmRoot"/>
+      </p:par>
+    </p:tnLst>
+  </p:timing>
 </p:sld>
 </file>
 
@@ -4610,7 +4828,7 @@
           <p:cNvPr id="2" name="Title 1">
             <a:extLst>
               <a:ext uri="{FF2B5EF4-FFF2-40B4-BE49-F238E27FC236}">
-                <a16:creationId xmlns:a16="http://schemas.microsoft.com/office/drawing/2014/main" xmlns="" id="{7D641731-F534-2649-83FB-6F010DF1AD7C}"/>
+                <a16:creationId xmlns="" xmlns:a16="http://schemas.microsoft.com/office/drawing/2014/main" id="{7D641731-F534-2649-83FB-6F010DF1AD7C}"/>
               </a:ext>
             </a:extLst>
           </p:cNvPr>
@@ -4662,7 +4880,7 @@
           <p:cNvPr id="6" name="Frame 7">
             <a:extLst>
               <a:ext uri="{FF2B5EF4-FFF2-40B4-BE49-F238E27FC236}">
-                <a16:creationId xmlns:a16="http://schemas.microsoft.com/office/drawing/2014/main" xmlns="" id="{CB7CF0CF-074A-2540-BE74-0B81F99EC27E}"/>
+                <a16:creationId xmlns="" xmlns:a16="http://schemas.microsoft.com/office/drawing/2014/main" id="{CB7CF0CF-074A-2540-BE74-0B81F99EC27E}"/>
               </a:ext>
             </a:extLst>
           </p:cNvPr>
@@ -4717,6 +4935,13 @@
   <p:clrMapOvr>
     <a:masterClrMapping/>
   </p:clrMapOvr>
+  <p:timing>
+    <p:tnLst>
+      <p:par>
+        <p:cTn id="1" dur="indefinite" restart="never" nodeType="tmRoot"/>
+      </p:par>
+    </p:tnLst>
+  </p:timing>
 </p:sld>
 </file>
 
@@ -4742,7 +4967,7 @@
           <p:cNvPr id="2" name="Title 1">
             <a:extLst>
               <a:ext uri="{FF2B5EF4-FFF2-40B4-BE49-F238E27FC236}">
-                <a16:creationId xmlns:a16="http://schemas.microsoft.com/office/drawing/2014/main" xmlns="" id="{7D641731-F534-2649-83FB-6F010DF1AD7C}"/>
+                <a16:creationId xmlns="" xmlns:a16="http://schemas.microsoft.com/office/drawing/2014/main" id="{7D641731-F534-2649-83FB-6F010DF1AD7C}"/>
               </a:ext>
             </a:extLst>
           </p:cNvPr>
@@ -4807,6 +5032,13 @@
   <p:clrMapOvr>
     <a:masterClrMapping/>
   </p:clrMapOvr>
+  <p:timing>
+    <p:tnLst>
+      <p:par>
+        <p:cTn id="1" dur="indefinite" restart="never" nodeType="tmRoot"/>
+      </p:par>
+    </p:tnLst>
+  </p:timing>
 </p:sld>
 </file>
 
@@ -4832,7 +5064,7 @@
           <p:cNvPr id="2" name="Title 1">
             <a:extLst>
               <a:ext uri="{FF2B5EF4-FFF2-40B4-BE49-F238E27FC236}">
-                <a16:creationId xmlns:a16="http://schemas.microsoft.com/office/drawing/2014/main" xmlns="" id="{7D641731-F534-2649-83FB-6F010DF1AD7C}"/>
+                <a16:creationId xmlns="" xmlns:a16="http://schemas.microsoft.com/office/drawing/2014/main" id="{7D641731-F534-2649-83FB-6F010DF1AD7C}"/>
               </a:ext>
             </a:extLst>
           </p:cNvPr>
@@ -4902,6 +5134,13 @@
   <p:clrMapOvr>
     <a:masterClrMapping/>
   </p:clrMapOvr>
+  <p:timing>
+    <p:tnLst>
+      <p:par>
+        <p:cTn id="1" dur="indefinite" restart="never" nodeType="tmRoot"/>
+      </p:par>
+    </p:tnLst>
+  </p:timing>
 </p:sld>
 </file>
 
